--- a/Partie personnelle Audran RAYNAL/1ERE REVUE.pptx
+++ b/Partie personnelle Audran RAYNAL/1ERE REVUE.pptx
@@ -6960,10 +6960,10 @@
       </p:cxnSp>
       <p:pic>
         <p:nvPicPr>
-          <p:cNvPr id="41" name="Image 40">
+          <p:cNvPr id="5" name="Image 4">
             <a:extLst>
               <a:ext uri="{FF2B5EF4-FFF2-40B4-BE49-F238E27FC236}">
-                <a16:creationId xmlns:a16="http://schemas.microsoft.com/office/drawing/2014/main" id="{13A7503C-61F9-4864-BBDE-38D06EE39D54}"/>
+                <a16:creationId xmlns:a16="http://schemas.microsoft.com/office/drawing/2014/main" id="{76461582-90CA-49CC-B597-A99B2FFD8441}"/>
               </a:ext>
             </a:extLst>
           </p:cNvPr>
@@ -6986,8 +6986,8 @@
         </p:blipFill>
         <p:spPr>
           <a:xfrm>
-            <a:off x="2870503" y="5343930"/>
-            <a:ext cx="1361557" cy="1361557"/>
+            <a:off x="4736388" y="5530674"/>
+            <a:ext cx="3579968" cy="1195600"/>
           </a:xfrm>
           <a:prstGeom prst="rect">
             <a:avLst/>
@@ -7024,53 +7024,157 @@
           <a:chExt cx="0" cy="0"/>
         </a:xfrm>
       </p:grpSpPr>
-      <p:sp>
-        <p:nvSpPr>
-          <p:cNvPr id="2" name="Titre 1">
+      <p:pic>
+        <p:nvPicPr>
+          <p:cNvPr id="5" name="Image 4">
             <a:extLst>
               <a:ext uri="{FF2B5EF4-FFF2-40B4-BE49-F238E27FC236}">
-                <a16:creationId xmlns:a16="http://schemas.microsoft.com/office/drawing/2014/main" id="{614A2C86-7C9D-4B3C-8E68-17F79E4F4D4F}"/>
+                <a16:creationId xmlns:a16="http://schemas.microsoft.com/office/drawing/2014/main" id="{8F7A074B-DDC4-4308-9CFD-9B0AD2C3B0BF}"/>
               </a:ext>
             </a:extLst>
           </p:cNvPr>
-          <p:cNvSpPr>
-            <a:spLocks noGrp="1"/>
-          </p:cNvSpPr>
-          <p:nvPr>
-            <p:ph type="title"/>
-          </p:nvPr>
-        </p:nvSpPr>
-        <p:spPr/>
-        <p:txBody>
-          <a:bodyPr/>
-          <a:lstStyle/>
-          <a:p>
-            <a:endParaRPr lang="fr-FR" dirty="0"/>
-          </a:p>
-        </p:txBody>
-      </p:sp>
-      <p:sp>
-        <p:nvSpPr>
-          <p:cNvPr id="3" name="Espace réservé du contenu 2">
+          <p:cNvPicPr>
+            <a:picLocks noChangeAspect="1"/>
+          </p:cNvPicPr>
+          <p:nvPr/>
+        </p:nvPicPr>
+        <p:blipFill>
+          <a:blip r:embed="rId2">
+            <a:extLst>
+              <a:ext uri="{28A0092B-C50C-407E-A947-70E740481C1C}">
+                <a14:useLocalDpi xmlns:a14="http://schemas.microsoft.com/office/drawing/2010/main" val="0"/>
+              </a:ext>
+            </a:extLst>
+          </a:blip>
+          <a:stretch>
+            <a:fillRect/>
+          </a:stretch>
+        </p:blipFill>
+        <p:spPr>
+          <a:xfrm>
+            <a:off x="5256871" y="2589871"/>
+            <a:ext cx="1678258" cy="1678258"/>
+          </a:xfrm>
+          <a:prstGeom prst="rect">
+            <a:avLst/>
+          </a:prstGeom>
+        </p:spPr>
+      </p:pic>
+      <p:pic>
+        <p:nvPicPr>
+          <p:cNvPr id="7" name="Image 6">
             <a:extLst>
               <a:ext uri="{FF2B5EF4-FFF2-40B4-BE49-F238E27FC236}">
-                <a16:creationId xmlns:a16="http://schemas.microsoft.com/office/drawing/2014/main" id="{1FFF9154-DE2B-4D7D-A12F-1CC8B0DC6812}"/>
+                <a16:creationId xmlns:a16="http://schemas.microsoft.com/office/drawing/2014/main" id="{11DA9A8F-C416-498C-9089-BCB8F264E2A6}"/>
               </a:ext>
             </a:extLst>
           </p:cNvPr>
-          <p:cNvSpPr>
-            <a:spLocks noGrp="1"/>
-          </p:cNvSpPr>
-          <p:nvPr>
-            <p:ph idx="1"/>
-          </p:nvPr>
-        </p:nvSpPr>
-        <p:spPr/>
-        <p:txBody>
-          <a:bodyPr/>
+          <p:cNvPicPr>
+            <a:picLocks noChangeAspect="1"/>
+          </p:cNvPicPr>
+          <p:nvPr/>
+        </p:nvPicPr>
+        <p:blipFill>
+          <a:blip r:embed="rId3">
+            <a:extLst>
+              <a:ext uri="{28A0092B-C50C-407E-A947-70E740481C1C}">
+                <a14:useLocalDpi xmlns:a14="http://schemas.microsoft.com/office/drawing/2010/main" val="0"/>
+              </a:ext>
+            </a:extLst>
+          </a:blip>
+          <a:stretch>
+            <a:fillRect/>
+          </a:stretch>
+        </p:blipFill>
+        <p:spPr>
+          <a:xfrm>
+            <a:off x="9355509" y="4259997"/>
+            <a:ext cx="1468176" cy="1678258"/>
+          </a:xfrm>
+          <a:prstGeom prst="rect">
+            <a:avLst/>
+          </a:prstGeom>
+        </p:spPr>
+      </p:pic>
+      <p:sp>
+        <p:nvSpPr>
+          <p:cNvPr id="8" name="ZoneTexte 7">
+            <a:extLst>
+              <a:ext uri="{FF2B5EF4-FFF2-40B4-BE49-F238E27FC236}">
+                <a16:creationId xmlns:a16="http://schemas.microsoft.com/office/drawing/2014/main" id="{B822141F-8CD0-4061-BB80-66439A93F28A}"/>
+              </a:ext>
+            </a:extLst>
+          </p:cNvPr>
+          <p:cNvSpPr txBox="1"/>
+          <p:nvPr/>
+        </p:nvSpPr>
+        <p:spPr>
+          <a:xfrm>
+            <a:off x="2756744" y="205405"/>
+            <a:ext cx="7405525" cy="707886"/>
+          </a:xfrm>
+          <a:prstGeom prst="rect">
+            <a:avLst/>
+          </a:prstGeom>
+          <a:noFill/>
+        </p:spPr>
+        <p:txBody>
+          <a:bodyPr wrap="square" rtlCol="0">
+            <a:spAutoFit/>
+          </a:bodyPr>
           <a:lstStyle/>
           <a:p>
-            <a:endParaRPr lang="fr-FR"/>
+            <a:r>
+              <a:rPr lang="fr-FR" sz="4000" dirty="0">
+                <a:solidFill>
+                  <a:srgbClr val="799B2D"/>
+                </a:solidFill>
+                <a:latin typeface="Segoe UI Semibold" panose="020B0702040204020203" pitchFamily="34" charset="0"/>
+                <a:cs typeface="Segoe UI Semibold" panose="020B0702040204020203" pitchFamily="34" charset="0"/>
+              </a:rPr>
+              <a:t>PRESENTATION DE MA PARTIE</a:t>
+            </a:r>
+          </a:p>
+        </p:txBody>
+      </p:sp>
+      <p:sp>
+        <p:nvSpPr>
+          <p:cNvPr id="9" name="ZoneTexte 8">
+            <a:extLst>
+              <a:ext uri="{FF2B5EF4-FFF2-40B4-BE49-F238E27FC236}">
+                <a16:creationId xmlns:a16="http://schemas.microsoft.com/office/drawing/2014/main" id="{6383E3A1-782B-4BC2-92B6-1C8C9C55FC24}"/>
+              </a:ext>
+            </a:extLst>
+          </p:cNvPr>
+          <p:cNvSpPr txBox="1"/>
+          <p:nvPr/>
+        </p:nvSpPr>
+        <p:spPr>
+          <a:xfrm>
+            <a:off x="5256871" y="4268129"/>
+            <a:ext cx="2606040" cy="830997"/>
+          </a:xfrm>
+          <a:prstGeom prst="rect">
+            <a:avLst/>
+          </a:prstGeom>
+          <a:noFill/>
+        </p:spPr>
+        <p:txBody>
+          <a:bodyPr wrap="square" rtlCol="0">
+            <a:spAutoFit/>
+          </a:bodyPr>
+          <a:lstStyle/>
+          <a:p>
+            <a:r>
+              <a:rPr lang="fr-FR" sz="2400" i="1" dirty="0">
+                <a:solidFill>
+                  <a:srgbClr val="799B2D"/>
+                </a:solidFill>
+                <a:latin typeface="Segoe UI Semibold" panose="020B0702040204020203" pitchFamily="34" charset="0"/>
+                <a:cs typeface="Segoe UI Semibold" panose="020B0702040204020203" pitchFamily="34" charset="0"/>
+              </a:rPr>
+              <a:t>Application Android</a:t>
+            </a:r>
           </a:p>
         </p:txBody>
       </p:sp>
